--- a/training/IPSP/Lab2/LabBook_020.pptx
+++ b/training/IPSP/Lab2/LabBook_020.pptx
@@ -5,18 +5,21 @@
     <p:sldMasterId id="2147483648" r:id="rId1"/>
   </p:sldMasterIdLst>
   <p:notesMasterIdLst>
-    <p:notesMasterId r:id="rId8"/>
+    <p:notesMasterId r:id="rId11"/>
   </p:notesMasterIdLst>
   <p:handoutMasterIdLst>
-    <p:handoutMasterId r:id="rId9"/>
+    <p:handoutMasterId r:id="rId12"/>
   </p:handoutMasterIdLst>
   <p:sldIdLst>
     <p:sldId id="256" r:id="rId2"/>
     <p:sldId id="289" r:id="rId3"/>
     <p:sldId id="290" r:id="rId4"/>
     <p:sldId id="291" r:id="rId5"/>
-    <p:sldId id="293" r:id="rId6"/>
-    <p:sldId id="288" r:id="rId7"/>
+    <p:sldId id="292" r:id="rId6"/>
+    <p:sldId id="293" r:id="rId7"/>
+    <p:sldId id="294" r:id="rId8"/>
+    <p:sldId id="295" r:id="rId9"/>
+    <p:sldId id="288" r:id="rId10"/>
   </p:sldIdLst>
   <p:sldSz cx="12192000" cy="6858000"/>
   <p:notesSz cx="12192000" cy="6858000"/>
@@ -231,7 +234,7 @@
           <a:p>
             <a:fld id="{8438F8DC-35B0-48E6-A86E-42F1F08DD00F}" type="datetimeFigureOut">
               <a:rPr lang="es-ES" smtClean="0"/>
-              <a:t>23/09/2025</a:t>
+              <a:t>22/10/2025</a:t>
             </a:fld>
             <a:endParaRPr lang="es-ES"/>
           </a:p>
@@ -408,7 +411,7 @@
           <a:p>
             <a:fld id="{FACBDC12-F39B-4B97-8F4D-6734F9D366FF}" type="datetimeFigureOut">
               <a:rPr lang="es-ES" smtClean="0"/>
-              <a:t>23/09/2025</a:t>
+              <a:t>22/10/2025</a:t>
             </a:fld>
             <a:endParaRPr lang="es-ES"/>
           </a:p>
@@ -875,6 +878,114 @@
         <p:cNvPr id="1" name="">
           <a:extLst>
             <a:ext uri="{FF2B5EF4-FFF2-40B4-BE49-F238E27FC236}">
+              <a16:creationId xmlns:a16="http://schemas.microsoft.com/office/drawing/2014/main" id="{95993BBE-3704-D894-1C10-5488EE611F08}"/>
+            </a:ext>
+          </a:extLst>
+        </p:cNvPr>
+        <p:cNvGrpSpPr/>
+        <p:nvPr/>
+      </p:nvGrpSpPr>
+      <p:grpSpPr>
+        <a:xfrm>
+          <a:off x="0" y="0"/>
+          <a:ext cx="0" cy="0"/>
+          <a:chOff x="0" y="0"/>
+          <a:chExt cx="0" cy="0"/>
+        </a:xfrm>
+      </p:grpSpPr>
+      <p:sp>
+        <p:nvSpPr>
+          <p:cNvPr id="2" name="Marcador de imagen de diapositiva 1">
+            <a:extLst>
+              <a:ext uri="{FF2B5EF4-FFF2-40B4-BE49-F238E27FC236}">
+                <a16:creationId xmlns:a16="http://schemas.microsoft.com/office/drawing/2014/main" id="{19BB04E2-F70F-42F7-9964-3D274C49FB9C}"/>
+              </a:ext>
+            </a:extLst>
+          </p:cNvPr>
+          <p:cNvSpPr>
+            <a:spLocks noGrp="1" noRot="1" noChangeAspect="1"/>
+          </p:cNvSpPr>
+          <p:nvPr>
+            <p:ph type="sldImg"/>
+          </p:nvPr>
+        </p:nvSpPr>
+        <p:spPr/>
+      </p:sp>
+      <p:sp>
+        <p:nvSpPr>
+          <p:cNvPr id="3" name="Marcador de notas 2">
+            <a:extLst>
+              <a:ext uri="{FF2B5EF4-FFF2-40B4-BE49-F238E27FC236}">
+                <a16:creationId xmlns:a16="http://schemas.microsoft.com/office/drawing/2014/main" id="{F6664AEC-7D1D-9DDC-3B94-3AE8450C7E5E}"/>
+              </a:ext>
+            </a:extLst>
+          </p:cNvPr>
+          <p:cNvSpPr>
+            <a:spLocks noGrp="1"/>
+          </p:cNvSpPr>
+          <p:nvPr>
+            <p:ph type="body" idx="1"/>
+          </p:nvPr>
+        </p:nvSpPr>
+        <p:spPr/>
+        <p:txBody>
+          <a:bodyPr/>
+          <a:lstStyle/>
+          <a:p>
+            <a:endParaRPr lang="es-ES" dirty="0"/>
+          </a:p>
+        </p:txBody>
+      </p:sp>
+      <p:sp>
+        <p:nvSpPr>
+          <p:cNvPr id="4" name="Marcador de número de diapositiva 3">
+            <a:extLst>
+              <a:ext uri="{FF2B5EF4-FFF2-40B4-BE49-F238E27FC236}">
+                <a16:creationId xmlns:a16="http://schemas.microsoft.com/office/drawing/2014/main" id="{E8F62EEB-2D30-2026-D252-4267AF688251}"/>
+              </a:ext>
+            </a:extLst>
+          </p:cNvPr>
+          <p:cNvSpPr>
+            <a:spLocks noGrp="1"/>
+          </p:cNvSpPr>
+          <p:nvPr>
+            <p:ph type="sldNum" sz="quarter" idx="5"/>
+          </p:nvPr>
+        </p:nvSpPr>
+        <p:spPr/>
+        <p:txBody>
+          <a:bodyPr/>
+          <a:lstStyle/>
+          <a:p>
+            <a:fld id="{676223B9-C868-4436-87D9-1A3152E1157A}" type="slidenum">
+              <a:rPr lang="es-ES" smtClean="0"/>
+              <a:t>5</a:t>
+            </a:fld>
+            <a:endParaRPr lang="es-ES"/>
+          </a:p>
+        </p:txBody>
+      </p:sp>
+    </p:spTree>
+    <p:extLst>
+      <p:ext uri="{BB962C8B-B14F-4D97-AF65-F5344CB8AC3E}">
+        <p14:creationId xmlns:p14="http://schemas.microsoft.com/office/powerpoint/2010/main" val="4116079046"/>
+      </p:ext>
+    </p:extLst>
+  </p:cSld>
+  <p:clrMapOvr>
+    <a:masterClrMapping/>
+  </p:clrMapOvr>
+</p:notes>
+</file>
+
+<file path=ppt/notesSlides/notesSlide4.xml><?xml version="1.0" encoding="utf-8"?>
+<p:notes xmlns:a="http://schemas.openxmlformats.org/drawingml/2006/main" xmlns:r="http://schemas.openxmlformats.org/officeDocument/2006/relationships" xmlns:p="http://schemas.openxmlformats.org/presentationml/2006/main">
+  <p:cSld>
+    <p:spTree>
+      <p:nvGrpSpPr>
+        <p:cNvPr id="1" name="">
+          <a:extLst>
+            <a:ext uri="{FF2B5EF4-FFF2-40B4-BE49-F238E27FC236}">
               <a16:creationId xmlns:a16="http://schemas.microsoft.com/office/drawing/2014/main" id="{7B023B86-D15F-9CD8-C5EA-3EAAD8BACCF7}"/>
             </a:ext>
           </a:extLst>
@@ -956,7 +1067,7 @@
           <a:p>
             <a:fld id="{676223B9-C868-4436-87D9-1A3152E1157A}" type="slidenum">
               <a:rPr lang="es-ES" smtClean="0"/>
-              <a:t>5</a:t>
+              <a:t>6</a:t>
             </a:fld>
             <a:endParaRPr lang="es-ES"/>
           </a:p>
@@ -966,6 +1077,222 @@
     <p:extLst>
       <p:ext uri="{BB962C8B-B14F-4D97-AF65-F5344CB8AC3E}">
         <p14:creationId xmlns:p14="http://schemas.microsoft.com/office/powerpoint/2010/main" val="2917382716"/>
+      </p:ext>
+    </p:extLst>
+  </p:cSld>
+  <p:clrMapOvr>
+    <a:masterClrMapping/>
+  </p:clrMapOvr>
+</p:notes>
+</file>
+
+<file path=ppt/notesSlides/notesSlide5.xml><?xml version="1.0" encoding="utf-8"?>
+<p:notes xmlns:a="http://schemas.openxmlformats.org/drawingml/2006/main" xmlns:r="http://schemas.openxmlformats.org/officeDocument/2006/relationships" xmlns:p="http://schemas.openxmlformats.org/presentationml/2006/main">
+  <p:cSld>
+    <p:spTree>
+      <p:nvGrpSpPr>
+        <p:cNvPr id="1" name="">
+          <a:extLst>
+            <a:ext uri="{FF2B5EF4-FFF2-40B4-BE49-F238E27FC236}">
+              <a16:creationId xmlns:a16="http://schemas.microsoft.com/office/drawing/2014/main" id="{2AF12144-FCBE-6A8A-A0AE-4B9D57DA8E19}"/>
+            </a:ext>
+          </a:extLst>
+        </p:cNvPr>
+        <p:cNvGrpSpPr/>
+        <p:nvPr/>
+      </p:nvGrpSpPr>
+      <p:grpSpPr>
+        <a:xfrm>
+          <a:off x="0" y="0"/>
+          <a:ext cx="0" cy="0"/>
+          <a:chOff x="0" y="0"/>
+          <a:chExt cx="0" cy="0"/>
+        </a:xfrm>
+      </p:grpSpPr>
+      <p:sp>
+        <p:nvSpPr>
+          <p:cNvPr id="2" name="Marcador de imagen de diapositiva 1">
+            <a:extLst>
+              <a:ext uri="{FF2B5EF4-FFF2-40B4-BE49-F238E27FC236}">
+                <a16:creationId xmlns:a16="http://schemas.microsoft.com/office/drawing/2014/main" id="{D8B7E8D5-CF3D-FB31-A479-FE9B4678B44C}"/>
+              </a:ext>
+            </a:extLst>
+          </p:cNvPr>
+          <p:cNvSpPr>
+            <a:spLocks noGrp="1" noRot="1" noChangeAspect="1"/>
+          </p:cNvSpPr>
+          <p:nvPr>
+            <p:ph type="sldImg"/>
+          </p:nvPr>
+        </p:nvSpPr>
+        <p:spPr/>
+      </p:sp>
+      <p:sp>
+        <p:nvSpPr>
+          <p:cNvPr id="3" name="Marcador de notas 2">
+            <a:extLst>
+              <a:ext uri="{FF2B5EF4-FFF2-40B4-BE49-F238E27FC236}">
+                <a16:creationId xmlns:a16="http://schemas.microsoft.com/office/drawing/2014/main" id="{F6E98ECD-779C-B147-FA65-387301E8BDD7}"/>
+              </a:ext>
+            </a:extLst>
+          </p:cNvPr>
+          <p:cNvSpPr>
+            <a:spLocks noGrp="1"/>
+          </p:cNvSpPr>
+          <p:nvPr>
+            <p:ph type="body" idx="1"/>
+          </p:nvPr>
+        </p:nvSpPr>
+        <p:spPr/>
+        <p:txBody>
+          <a:bodyPr/>
+          <a:lstStyle/>
+          <a:p>
+            <a:endParaRPr lang="es-ES" dirty="0"/>
+          </a:p>
+        </p:txBody>
+      </p:sp>
+      <p:sp>
+        <p:nvSpPr>
+          <p:cNvPr id="4" name="Marcador de número de diapositiva 3">
+            <a:extLst>
+              <a:ext uri="{FF2B5EF4-FFF2-40B4-BE49-F238E27FC236}">
+                <a16:creationId xmlns:a16="http://schemas.microsoft.com/office/drawing/2014/main" id="{A4D029A2-BBAC-779C-5358-BB9C7A2A122B}"/>
+              </a:ext>
+            </a:extLst>
+          </p:cNvPr>
+          <p:cNvSpPr>
+            <a:spLocks noGrp="1"/>
+          </p:cNvSpPr>
+          <p:nvPr>
+            <p:ph type="sldNum" sz="quarter" idx="5"/>
+          </p:nvPr>
+        </p:nvSpPr>
+        <p:spPr/>
+        <p:txBody>
+          <a:bodyPr/>
+          <a:lstStyle/>
+          <a:p>
+            <a:fld id="{676223B9-C868-4436-87D9-1A3152E1157A}" type="slidenum">
+              <a:rPr lang="es-ES" smtClean="0"/>
+              <a:t>7</a:t>
+            </a:fld>
+            <a:endParaRPr lang="es-ES"/>
+          </a:p>
+        </p:txBody>
+      </p:sp>
+    </p:spTree>
+    <p:extLst>
+      <p:ext uri="{BB962C8B-B14F-4D97-AF65-F5344CB8AC3E}">
+        <p14:creationId xmlns:p14="http://schemas.microsoft.com/office/powerpoint/2010/main" val="3664519849"/>
+      </p:ext>
+    </p:extLst>
+  </p:cSld>
+  <p:clrMapOvr>
+    <a:masterClrMapping/>
+  </p:clrMapOvr>
+</p:notes>
+</file>
+
+<file path=ppt/notesSlides/notesSlide6.xml><?xml version="1.0" encoding="utf-8"?>
+<p:notes xmlns:a="http://schemas.openxmlformats.org/drawingml/2006/main" xmlns:r="http://schemas.openxmlformats.org/officeDocument/2006/relationships" xmlns:p="http://schemas.openxmlformats.org/presentationml/2006/main">
+  <p:cSld>
+    <p:spTree>
+      <p:nvGrpSpPr>
+        <p:cNvPr id="1" name="">
+          <a:extLst>
+            <a:ext uri="{FF2B5EF4-FFF2-40B4-BE49-F238E27FC236}">
+              <a16:creationId xmlns:a16="http://schemas.microsoft.com/office/drawing/2014/main" id="{EE57D17A-BDDB-E84A-00DC-8DEE68FF5CD2}"/>
+            </a:ext>
+          </a:extLst>
+        </p:cNvPr>
+        <p:cNvGrpSpPr/>
+        <p:nvPr/>
+      </p:nvGrpSpPr>
+      <p:grpSpPr>
+        <a:xfrm>
+          <a:off x="0" y="0"/>
+          <a:ext cx="0" cy="0"/>
+          <a:chOff x="0" y="0"/>
+          <a:chExt cx="0" cy="0"/>
+        </a:xfrm>
+      </p:grpSpPr>
+      <p:sp>
+        <p:nvSpPr>
+          <p:cNvPr id="2" name="Marcador de imagen de diapositiva 1">
+            <a:extLst>
+              <a:ext uri="{FF2B5EF4-FFF2-40B4-BE49-F238E27FC236}">
+                <a16:creationId xmlns:a16="http://schemas.microsoft.com/office/drawing/2014/main" id="{FFD0801D-FF75-24AB-CF92-534704402947}"/>
+              </a:ext>
+            </a:extLst>
+          </p:cNvPr>
+          <p:cNvSpPr>
+            <a:spLocks noGrp="1" noRot="1" noChangeAspect="1"/>
+          </p:cNvSpPr>
+          <p:nvPr>
+            <p:ph type="sldImg"/>
+          </p:nvPr>
+        </p:nvSpPr>
+        <p:spPr/>
+      </p:sp>
+      <p:sp>
+        <p:nvSpPr>
+          <p:cNvPr id="3" name="Marcador de notas 2">
+            <a:extLst>
+              <a:ext uri="{FF2B5EF4-FFF2-40B4-BE49-F238E27FC236}">
+                <a16:creationId xmlns:a16="http://schemas.microsoft.com/office/drawing/2014/main" id="{7F766582-6BF0-12BE-E269-B5421EB31663}"/>
+              </a:ext>
+            </a:extLst>
+          </p:cNvPr>
+          <p:cNvSpPr>
+            <a:spLocks noGrp="1"/>
+          </p:cNvSpPr>
+          <p:nvPr>
+            <p:ph type="body" idx="1"/>
+          </p:nvPr>
+        </p:nvSpPr>
+        <p:spPr/>
+        <p:txBody>
+          <a:bodyPr/>
+          <a:lstStyle/>
+          <a:p>
+            <a:endParaRPr lang="es-ES" dirty="0"/>
+          </a:p>
+        </p:txBody>
+      </p:sp>
+      <p:sp>
+        <p:nvSpPr>
+          <p:cNvPr id="4" name="Marcador de número de diapositiva 3">
+            <a:extLst>
+              <a:ext uri="{FF2B5EF4-FFF2-40B4-BE49-F238E27FC236}">
+                <a16:creationId xmlns:a16="http://schemas.microsoft.com/office/drawing/2014/main" id="{B7D4960F-EE55-2F96-19EB-8270E92DBAE4}"/>
+              </a:ext>
+            </a:extLst>
+          </p:cNvPr>
+          <p:cNvSpPr>
+            <a:spLocks noGrp="1"/>
+          </p:cNvSpPr>
+          <p:nvPr>
+            <p:ph type="sldNum" sz="quarter" idx="5"/>
+          </p:nvPr>
+        </p:nvSpPr>
+        <p:spPr/>
+        <p:txBody>
+          <a:bodyPr/>
+          <a:lstStyle/>
+          <a:p>
+            <a:fld id="{676223B9-C868-4436-87D9-1A3152E1157A}" type="slidenum">
+              <a:rPr lang="es-ES" smtClean="0"/>
+              <a:t>8</a:t>
+            </a:fld>
+            <a:endParaRPr lang="es-ES"/>
+          </a:p>
+        </p:txBody>
+      </p:sp>
+    </p:spTree>
+    <p:extLst>
+      <p:ext uri="{BB962C8B-B14F-4D97-AF65-F5344CB8AC3E}">
+        <p14:creationId xmlns:p14="http://schemas.microsoft.com/office/powerpoint/2010/main" val="2355599197"/>
       </p:ext>
     </p:extLst>
   </p:cSld>
@@ -5586,6 +5913,401 @@
         <p:cNvPr id="1" name="">
           <a:extLst>
             <a:ext uri="{FF2B5EF4-FFF2-40B4-BE49-F238E27FC236}">
+              <a16:creationId xmlns:a16="http://schemas.microsoft.com/office/drawing/2014/main" id="{0D90AC3D-36B7-D786-3825-B4DD6EADD689}"/>
+            </a:ext>
+          </a:extLst>
+        </p:cNvPr>
+        <p:cNvGrpSpPr/>
+        <p:nvPr/>
+      </p:nvGrpSpPr>
+      <p:grpSpPr>
+        <a:xfrm>
+          <a:off x="0" y="0"/>
+          <a:ext cx="0" cy="0"/>
+          <a:chOff x="0" y="0"/>
+          <a:chExt cx="0" cy="0"/>
+        </a:xfrm>
+      </p:grpSpPr>
+      <p:sp>
+        <p:nvSpPr>
+          <p:cNvPr id="16" name="object 16">
+            <a:extLst>
+              <a:ext uri="{FF2B5EF4-FFF2-40B4-BE49-F238E27FC236}">
+                <a16:creationId xmlns:a16="http://schemas.microsoft.com/office/drawing/2014/main" id="{6AA2E789-F7AE-F068-274C-E0F13A22DBCA}"/>
+              </a:ext>
+            </a:extLst>
+          </p:cNvPr>
+          <p:cNvSpPr txBox="1">
+            <a:spLocks noGrp="1"/>
+          </p:cNvSpPr>
+          <p:nvPr>
+            <p:ph type="title"/>
+          </p:nvPr>
+        </p:nvSpPr>
+        <p:spPr>
+          <a:xfrm>
+            <a:off x="685800" y="408883"/>
+            <a:ext cx="10994410" cy="705321"/>
+          </a:xfrm>
+          <a:prstGeom prst="rect">
+            <a:avLst/>
+          </a:prstGeom>
+        </p:spPr>
+        <p:txBody>
+          <a:bodyPr vert="horz" wrap="square" lIns="0" tIns="12700" rIns="0" bIns="0" rtlCol="0">
+            <a:spAutoFit/>
+          </a:bodyPr>
+          <a:lstStyle/>
+          <a:p>
+            <a:pPr marL="12700">
+              <a:lnSpc>
+                <a:spcPct val="100000"/>
+              </a:lnSpc>
+              <a:spcBef>
+                <a:spcPts val="100"/>
+              </a:spcBef>
+            </a:pPr>
+            <a:r>
+              <a:rPr lang="en-US" sz="2500" dirty="0"/>
+              <a:t>Learning outcome #3 – 2x2 Directional Coupler</a:t>
+            </a:r>
+            <a:br>
+              <a:rPr lang="en-US" sz="2500" spc="-5" dirty="0">
+                <a:latin typeface="+mj-lt"/>
+                <a:cs typeface="Lucida Sans"/>
+              </a:rPr>
+            </a:br>
+            <a:r>
+              <a:rPr lang="en-US" b="0" dirty="0"/>
+              <a:t>Waveguide width 1.2 µm, Gap between waveguides 0.6 µm – Wavelength 1.55 µm </a:t>
+            </a:r>
+            <a:endParaRPr lang="en-US" sz="2500" b="0" dirty="0">
+              <a:latin typeface="+mj-lt"/>
+              <a:cs typeface="Lucida Sans"/>
+            </a:endParaRPr>
+          </a:p>
+        </p:txBody>
+      </p:sp>
+      <p:pic>
+        <p:nvPicPr>
+          <p:cNvPr id="83" name="Gráfico 82">
+            <a:extLst>
+              <a:ext uri="{FF2B5EF4-FFF2-40B4-BE49-F238E27FC236}">
+                <a16:creationId xmlns:a16="http://schemas.microsoft.com/office/drawing/2014/main" id="{3AEAD01B-7604-8009-5694-A556497AEF25}"/>
+              </a:ext>
+            </a:extLst>
+          </p:cNvPr>
+          <p:cNvPicPr>
+            <a:picLocks noChangeAspect="1"/>
+          </p:cNvPicPr>
+          <p:nvPr/>
+        </p:nvPicPr>
+        <p:blipFill>
+          <a:blip r:embed="rId3">
+            <a:extLst>
+              <a:ext uri="{96DAC541-7B7A-43D3-8B79-37D633B846F1}">
+                <asvg:svgBlip xmlns:asvg="http://schemas.microsoft.com/office/drawing/2016/SVG/main" r:embed="rId4"/>
+              </a:ext>
+            </a:extLst>
+          </a:blip>
+          <a:stretch>
+            <a:fillRect/>
+          </a:stretch>
+        </p:blipFill>
+        <p:spPr>
+          <a:xfrm>
+            <a:off x="5045006" y="6356057"/>
+            <a:ext cx="6409575" cy="363174"/>
+          </a:xfrm>
+          <a:prstGeom prst="rect">
+            <a:avLst/>
+          </a:prstGeom>
+        </p:spPr>
+      </p:pic>
+      <p:sp>
+        <p:nvSpPr>
+          <p:cNvPr id="84" name="Marcador de número de diapositiva 83">
+            <a:extLst>
+              <a:ext uri="{FF2B5EF4-FFF2-40B4-BE49-F238E27FC236}">
+                <a16:creationId xmlns:a16="http://schemas.microsoft.com/office/drawing/2014/main" id="{696E3846-1BD2-4F23-48AA-C7AF2A1EE6EB}"/>
+              </a:ext>
+            </a:extLst>
+          </p:cNvPr>
+          <p:cNvSpPr>
+            <a:spLocks noGrp="1"/>
+          </p:cNvSpPr>
+          <p:nvPr>
+            <p:ph type="sldNum" sz="quarter" idx="7"/>
+          </p:nvPr>
+        </p:nvSpPr>
+        <p:spPr/>
+        <p:txBody>
+          <a:bodyPr/>
+          <a:lstStyle/>
+          <a:p>
+            <a:fld id="{B6F15528-21DE-4FAA-801E-634DDDAF4B2B}" type="slidenum">
+              <a:rPr lang="es-ES" smtClean="0"/>
+              <a:t>5</a:t>
+            </a:fld>
+            <a:endParaRPr lang="es-ES"/>
+          </a:p>
+        </p:txBody>
+      </p:sp>
+      <p:sp>
+        <p:nvSpPr>
+          <p:cNvPr id="3" name="Marcador de pie de página 2">
+            <a:extLst>
+              <a:ext uri="{FF2B5EF4-FFF2-40B4-BE49-F238E27FC236}">
+                <a16:creationId xmlns:a16="http://schemas.microsoft.com/office/drawing/2014/main" id="{E32C0E2B-75B6-4768-A4C7-F165A264DA0B}"/>
+              </a:ext>
+            </a:extLst>
+          </p:cNvPr>
+          <p:cNvSpPr>
+            <a:spLocks noGrp="1"/>
+          </p:cNvSpPr>
+          <p:nvPr>
+            <p:ph type="ftr" sz="quarter" idx="5"/>
+          </p:nvPr>
+        </p:nvSpPr>
+        <p:spPr/>
+        <p:txBody>
+          <a:bodyPr/>
+          <a:lstStyle/>
+          <a:p>
+            <a:pPr marL="12700">
+              <a:spcBef>
+                <a:spcPts val="15"/>
+              </a:spcBef>
+            </a:pPr>
+            <a:r>
+              <a:rPr lang="es-ES" spc="-5"/>
+              <a:t>LAB 0.2. COUPLERS</a:t>
+            </a:r>
+            <a:endParaRPr lang="es-ES" spc="-5" dirty="0"/>
+          </a:p>
+        </p:txBody>
+      </p:sp>
+      <p:sp>
+        <p:nvSpPr>
+          <p:cNvPr id="2" name="CuadroTexto 1">
+            <a:extLst>
+              <a:ext uri="{FF2B5EF4-FFF2-40B4-BE49-F238E27FC236}">
+                <a16:creationId xmlns:a16="http://schemas.microsoft.com/office/drawing/2014/main" id="{82A62DD6-5488-72A1-9926-0CAEE59089A9}"/>
+              </a:ext>
+            </a:extLst>
+          </p:cNvPr>
+          <p:cNvSpPr txBox="1"/>
+          <p:nvPr/>
+        </p:nvSpPr>
+        <p:spPr>
+          <a:xfrm>
+            <a:off x="609441" y="4860334"/>
+            <a:ext cx="11199971" cy="1200329"/>
+          </a:xfrm>
+          <a:prstGeom prst="rect">
+            <a:avLst/>
+          </a:prstGeom>
+          <a:solidFill>
+            <a:schemeClr val="bg1">
+              <a:lumMod val="95000"/>
+            </a:schemeClr>
+          </a:solidFill>
+          <a:ln w="28575">
+            <a:solidFill>
+              <a:srgbClr val="E0700D"/>
+            </a:solidFill>
+          </a:ln>
+        </p:spPr>
+        <p:txBody>
+          <a:bodyPr wrap="square" rtlCol="0">
+            <a:spAutoFit/>
+          </a:bodyPr>
+          <a:lstStyle/>
+          <a:p>
+            <a:pPr algn="just"/>
+            <a:r>
+              <a:rPr lang="en-US" sz="1200" dirty="0">
+                <a:latin typeface="Arial" panose="020B0604020202020204" pitchFamily="34" charset="0"/>
+                <a:cs typeface="Arial" panose="020B0604020202020204" pitchFamily="34" charset="0"/>
+              </a:rPr>
+              <a:t>Comment results (Coupling relationship, </a:t>
+            </a:r>
+            <a:r>
+              <a:rPr lang="en-US" sz="1200" dirty="0" err="1">
+                <a:latin typeface="Arial" panose="020B0604020202020204" pitchFamily="34" charset="0"/>
+                <a:cs typeface="Arial" panose="020B0604020202020204" pitchFamily="34" charset="0"/>
+              </a:rPr>
+              <a:t>Lpi</a:t>
+            </a:r>
+            <a:r>
+              <a:rPr lang="en-US" sz="1200" dirty="0">
+                <a:latin typeface="Arial" panose="020B0604020202020204" pitchFamily="34" charset="0"/>
+                <a:cs typeface="Arial" panose="020B0604020202020204" pitchFamily="34" charset="0"/>
+              </a:rPr>
+              <a:t>, losses, … )</a:t>
+            </a:r>
+          </a:p>
+          <a:p>
+            <a:pPr algn="just"/>
+            <a:endParaRPr lang="en-US" sz="1200" dirty="0">
+              <a:latin typeface="Arial" panose="020B0604020202020204" pitchFamily="34" charset="0"/>
+              <a:cs typeface="Arial" panose="020B0604020202020204" pitchFamily="34" charset="0"/>
+            </a:endParaRPr>
+          </a:p>
+          <a:p>
+            <a:pPr algn="just"/>
+            <a:endParaRPr lang="en-US" sz="1200" dirty="0">
+              <a:latin typeface="Arial" panose="020B0604020202020204" pitchFamily="34" charset="0"/>
+              <a:cs typeface="Arial" panose="020B0604020202020204" pitchFamily="34" charset="0"/>
+            </a:endParaRPr>
+          </a:p>
+          <a:p>
+            <a:pPr algn="just"/>
+            <a:endParaRPr lang="en-US" sz="1200" dirty="0">
+              <a:latin typeface="Arial" panose="020B0604020202020204" pitchFamily="34" charset="0"/>
+              <a:cs typeface="Arial" panose="020B0604020202020204" pitchFamily="34" charset="0"/>
+            </a:endParaRPr>
+          </a:p>
+          <a:p>
+            <a:pPr algn="just"/>
+            <a:endParaRPr lang="en-US" sz="1200" dirty="0">
+              <a:latin typeface="Arial" panose="020B0604020202020204" pitchFamily="34" charset="0"/>
+              <a:cs typeface="Arial" panose="020B0604020202020204" pitchFamily="34" charset="0"/>
+            </a:endParaRPr>
+          </a:p>
+          <a:p>
+            <a:pPr algn="just"/>
+            <a:endParaRPr lang="en-US" sz="1200" dirty="0">
+              <a:latin typeface="Arial" panose="020B0604020202020204" pitchFamily="34" charset="0"/>
+              <a:cs typeface="Arial" panose="020B0604020202020204" pitchFamily="34" charset="0"/>
+            </a:endParaRPr>
+          </a:p>
+        </p:txBody>
+      </p:sp>
+      <p:sp>
+        <p:nvSpPr>
+          <p:cNvPr id="7" name="Rectángulo 6">
+            <a:extLst>
+              <a:ext uri="{FF2B5EF4-FFF2-40B4-BE49-F238E27FC236}">
+                <a16:creationId xmlns:a16="http://schemas.microsoft.com/office/drawing/2014/main" id="{FBC7D187-267A-ADD4-764C-D3820B8ED302}"/>
+              </a:ext>
+            </a:extLst>
+          </p:cNvPr>
+          <p:cNvSpPr/>
+          <p:nvPr/>
+        </p:nvSpPr>
+        <p:spPr>
+          <a:xfrm>
+            <a:off x="609441" y="1418373"/>
+            <a:ext cx="11199971" cy="3306028"/>
+          </a:xfrm>
+          <a:prstGeom prst="rect">
+            <a:avLst/>
+          </a:prstGeom>
+          <a:noFill/>
+          <a:ln w="28575">
+            <a:solidFill>
+              <a:srgbClr val="E0700D"/>
+            </a:solidFill>
+          </a:ln>
+        </p:spPr>
+        <p:style>
+          <a:lnRef idx="2">
+            <a:schemeClr val="accent1">
+              <a:shade val="15000"/>
+            </a:schemeClr>
+          </a:lnRef>
+          <a:fillRef idx="1">
+            <a:schemeClr val="accent1"/>
+          </a:fillRef>
+          <a:effectRef idx="0">
+            <a:schemeClr val="accent1"/>
+          </a:effectRef>
+          <a:fontRef idx="minor">
+            <a:schemeClr val="lt1"/>
+          </a:fontRef>
+        </p:style>
+        <p:txBody>
+          <a:bodyPr rtlCol="0" anchor="ctr"/>
+          <a:lstStyle/>
+          <a:p>
+            <a:pPr algn="ctr"/>
+            <a:endParaRPr lang="en-US"/>
+          </a:p>
+        </p:txBody>
+      </p:sp>
+      <p:sp>
+        <p:nvSpPr>
+          <p:cNvPr id="8" name="CuadroTexto 7">
+            <a:extLst>
+              <a:ext uri="{FF2B5EF4-FFF2-40B4-BE49-F238E27FC236}">
+                <a16:creationId xmlns:a16="http://schemas.microsoft.com/office/drawing/2014/main" id="{1EF5BFDA-8EC1-8C73-A932-F36C4DB93C73}"/>
+              </a:ext>
+            </a:extLst>
+          </p:cNvPr>
+          <p:cNvSpPr txBox="1"/>
+          <p:nvPr/>
+        </p:nvSpPr>
+        <p:spPr>
+          <a:xfrm>
+            <a:off x="2286000" y="2671278"/>
+            <a:ext cx="7718580" cy="923330"/>
+          </a:xfrm>
+          <a:prstGeom prst="rect">
+            <a:avLst/>
+          </a:prstGeom>
+          <a:noFill/>
+        </p:spPr>
+        <p:txBody>
+          <a:bodyPr wrap="square" rtlCol="0">
+            <a:spAutoFit/>
+          </a:bodyPr>
+          <a:lstStyle/>
+          <a:p>
+            <a:pPr algn="ctr"/>
+            <a:r>
+              <a:rPr lang="en-US" b="1" dirty="0"/>
+              <a:t>deep</a:t>
+            </a:r>
+            <a:r>
+              <a:rPr lang="en-US" dirty="0"/>
+              <a:t> waveguide</a:t>
+            </a:r>
+          </a:p>
+          <a:p>
+            <a:pPr algn="ctr"/>
+            <a:endParaRPr lang="en-US" dirty="0"/>
+          </a:p>
+          <a:p>
+            <a:pPr algn="ctr"/>
+            <a:r>
+              <a:rPr lang="en-US" dirty="0"/>
+              <a:t>Paste propagation plots and output text here</a:t>
+            </a:r>
+          </a:p>
+        </p:txBody>
+      </p:sp>
+    </p:spTree>
+    <p:extLst>
+      <p:ext uri="{BB962C8B-B14F-4D97-AF65-F5344CB8AC3E}">
+        <p14:creationId xmlns:p14="http://schemas.microsoft.com/office/powerpoint/2010/main" val="2900117438"/>
+      </p:ext>
+    </p:extLst>
+  </p:cSld>
+  <p:clrMapOvr>
+    <a:masterClrMapping/>
+  </p:clrMapOvr>
+</p:sld>
+</file>
+
+<file path=ppt/slides/slide6.xml><?xml version="1.0" encoding="utf-8"?>
+<p:sld xmlns:a="http://schemas.openxmlformats.org/drawingml/2006/main" xmlns:r="http://schemas.openxmlformats.org/officeDocument/2006/relationships" xmlns:p="http://schemas.openxmlformats.org/presentationml/2006/main">
+  <p:cSld>
+    <p:spTree>
+      <p:nvGrpSpPr>
+        <p:cNvPr id="1" name="">
+          <a:extLst>
+            <a:ext uri="{FF2B5EF4-FFF2-40B4-BE49-F238E27FC236}">
               <a16:creationId xmlns:a16="http://schemas.microsoft.com/office/drawing/2014/main" id="{25434E70-43B1-3881-1771-20FB4358471D}"/>
             </a:ext>
           </a:extLst>
@@ -5710,7 +6432,7 @@
           <a:p>
             <a:fld id="{B6F15528-21DE-4FAA-801E-634DDDAF4B2B}" type="slidenum">
               <a:rPr lang="es-ES" smtClean="0"/>
-              <a:t>5</a:t>
+              <a:t>6</a:t>
             </a:fld>
             <a:endParaRPr lang="es-ES"/>
           </a:p>
@@ -5750,8 +6472,8 @@
           </a:p>
         </p:txBody>
       </p:sp>
-      <mc:AlternateContent xmlns:mc="http://schemas.openxmlformats.org/markup-compatibility/2006">
-        <mc:Choice xmlns:a14="http://schemas.microsoft.com/office/drawing/2010/main" Requires="a14">
+      <mc:AlternateContent xmlns:mc="http://schemas.openxmlformats.org/markup-compatibility/2006" xmlns:a14="http://schemas.microsoft.com/office/drawing/2010/main">
+        <mc:Choice Requires="a14">
           <p:sp>
             <p:nvSpPr>
               <p:cNvPr id="4" name="Marcador de texto 2">
@@ -5985,7 +6707,7 @@
             </p:txBody>
           </p:sp>
         </mc:Choice>
-        <mc:Fallback>
+        <mc:Fallback xmlns="">
           <p:sp>
             <p:nvSpPr>
               <p:cNvPr id="4" name="Marcador de texto 2">
@@ -6151,7 +6873,1427 @@
 </p:sld>
 </file>
 
-<file path=ppt/slides/slide6.xml><?xml version="1.0" encoding="utf-8"?>
+<file path=ppt/slides/slide7.xml><?xml version="1.0" encoding="utf-8"?>
+<p:sld xmlns:a="http://schemas.openxmlformats.org/drawingml/2006/main" xmlns:r="http://schemas.openxmlformats.org/officeDocument/2006/relationships" xmlns:p="http://schemas.openxmlformats.org/presentationml/2006/main">
+  <p:cSld>
+    <p:spTree>
+      <p:nvGrpSpPr>
+        <p:cNvPr id="1" name="">
+          <a:extLst>
+            <a:ext uri="{FF2B5EF4-FFF2-40B4-BE49-F238E27FC236}">
+              <a16:creationId xmlns:a16="http://schemas.microsoft.com/office/drawing/2014/main" id="{91BF7C0E-2677-BADF-D636-6F9B71E665FA}"/>
+            </a:ext>
+          </a:extLst>
+        </p:cNvPr>
+        <p:cNvGrpSpPr/>
+        <p:nvPr/>
+      </p:nvGrpSpPr>
+      <p:grpSpPr>
+        <a:xfrm>
+          <a:off x="0" y="0"/>
+          <a:ext cx="0" cy="0"/>
+          <a:chOff x="0" y="0"/>
+          <a:chExt cx="0" cy="0"/>
+        </a:xfrm>
+      </p:grpSpPr>
+      <p:sp>
+        <p:nvSpPr>
+          <p:cNvPr id="16" name="object 16">
+            <a:extLst>
+              <a:ext uri="{FF2B5EF4-FFF2-40B4-BE49-F238E27FC236}">
+                <a16:creationId xmlns:a16="http://schemas.microsoft.com/office/drawing/2014/main" id="{2B8D44BF-A3B5-6BED-C39C-FA8260E83536}"/>
+              </a:ext>
+            </a:extLst>
+          </p:cNvPr>
+          <p:cNvSpPr txBox="1">
+            <a:spLocks noGrp="1"/>
+          </p:cNvSpPr>
+          <p:nvPr>
+            <p:ph type="title"/>
+          </p:nvPr>
+        </p:nvSpPr>
+        <p:spPr>
+          <a:xfrm>
+            <a:off x="685800" y="408883"/>
+            <a:ext cx="10994410" cy="705321"/>
+          </a:xfrm>
+          <a:prstGeom prst="rect">
+            <a:avLst/>
+          </a:prstGeom>
+        </p:spPr>
+        <p:txBody>
+          <a:bodyPr vert="horz" wrap="square" lIns="0" tIns="12700" rIns="0" bIns="0" rtlCol="0">
+            <a:spAutoFit/>
+          </a:bodyPr>
+          <a:lstStyle/>
+          <a:p>
+            <a:pPr marL="12700">
+              <a:lnSpc>
+                <a:spcPct val="100000"/>
+              </a:lnSpc>
+              <a:spcBef>
+                <a:spcPts val="100"/>
+              </a:spcBef>
+            </a:pPr>
+            <a:r>
+              <a:rPr lang="en-US" sz="2500" dirty="0"/>
+              <a:t>Learning outcome #5 – 2x2 Multimode Interference Coupler </a:t>
+            </a:r>
+            <a:br>
+              <a:rPr lang="en-US" sz="2500" dirty="0"/>
+            </a:br>
+            <a:r>
+              <a:rPr lang="en-US" b="0" dirty="0"/>
+              <a:t>Body width 6 µm and 12 µm – Wavelength 1.55 µm </a:t>
+            </a:r>
+            <a:endParaRPr lang="en-US" sz="2500" b="0" dirty="0">
+              <a:latin typeface="+mj-lt"/>
+              <a:cs typeface="Lucida Sans"/>
+            </a:endParaRPr>
+          </a:p>
+        </p:txBody>
+      </p:sp>
+      <p:pic>
+        <p:nvPicPr>
+          <p:cNvPr id="83" name="Gráfico 82">
+            <a:extLst>
+              <a:ext uri="{FF2B5EF4-FFF2-40B4-BE49-F238E27FC236}">
+                <a16:creationId xmlns:a16="http://schemas.microsoft.com/office/drawing/2014/main" id="{5DFCF1AD-6B06-F914-AC0B-80F0ED838EF9}"/>
+              </a:ext>
+            </a:extLst>
+          </p:cNvPr>
+          <p:cNvPicPr>
+            <a:picLocks noChangeAspect="1"/>
+          </p:cNvPicPr>
+          <p:nvPr/>
+        </p:nvPicPr>
+        <p:blipFill>
+          <a:blip r:embed="rId3">
+            <a:extLst>
+              <a:ext uri="{96DAC541-7B7A-43D3-8B79-37D633B846F1}">
+                <asvg:svgBlip xmlns:asvg="http://schemas.microsoft.com/office/drawing/2016/SVG/main" r:embed="rId4"/>
+              </a:ext>
+            </a:extLst>
+          </a:blip>
+          <a:stretch>
+            <a:fillRect/>
+          </a:stretch>
+        </p:blipFill>
+        <p:spPr>
+          <a:xfrm>
+            <a:off x="5045006" y="6356057"/>
+            <a:ext cx="6409575" cy="363174"/>
+          </a:xfrm>
+          <a:prstGeom prst="rect">
+            <a:avLst/>
+          </a:prstGeom>
+        </p:spPr>
+      </p:pic>
+      <p:sp>
+        <p:nvSpPr>
+          <p:cNvPr id="84" name="Marcador de número de diapositiva 83">
+            <a:extLst>
+              <a:ext uri="{FF2B5EF4-FFF2-40B4-BE49-F238E27FC236}">
+                <a16:creationId xmlns:a16="http://schemas.microsoft.com/office/drawing/2014/main" id="{4A656CCE-66E0-EAE0-5C63-DF1315DF6299}"/>
+              </a:ext>
+            </a:extLst>
+          </p:cNvPr>
+          <p:cNvSpPr>
+            <a:spLocks noGrp="1"/>
+          </p:cNvSpPr>
+          <p:nvPr>
+            <p:ph type="sldNum" sz="quarter" idx="7"/>
+          </p:nvPr>
+        </p:nvSpPr>
+        <p:spPr/>
+        <p:txBody>
+          <a:bodyPr/>
+          <a:lstStyle/>
+          <a:p>
+            <a:fld id="{B6F15528-21DE-4FAA-801E-634DDDAF4B2B}" type="slidenum">
+              <a:rPr lang="es-ES" smtClean="0"/>
+              <a:t>7</a:t>
+            </a:fld>
+            <a:endParaRPr lang="es-ES"/>
+          </a:p>
+        </p:txBody>
+      </p:sp>
+      <p:sp>
+        <p:nvSpPr>
+          <p:cNvPr id="3" name="Marcador de pie de página 2">
+            <a:extLst>
+              <a:ext uri="{FF2B5EF4-FFF2-40B4-BE49-F238E27FC236}">
+                <a16:creationId xmlns:a16="http://schemas.microsoft.com/office/drawing/2014/main" id="{D3AB6581-C493-80EB-A67F-5289454DAA28}"/>
+              </a:ext>
+            </a:extLst>
+          </p:cNvPr>
+          <p:cNvSpPr>
+            <a:spLocks noGrp="1"/>
+          </p:cNvSpPr>
+          <p:nvPr>
+            <p:ph type="ftr" sz="quarter" idx="5"/>
+          </p:nvPr>
+        </p:nvSpPr>
+        <p:spPr/>
+        <p:txBody>
+          <a:bodyPr/>
+          <a:lstStyle/>
+          <a:p>
+            <a:pPr marL="12700">
+              <a:spcBef>
+                <a:spcPts val="15"/>
+              </a:spcBef>
+            </a:pPr>
+            <a:r>
+              <a:rPr lang="es-ES" spc="-5"/>
+              <a:t>LAB 0.2. COUPLERS</a:t>
+            </a:r>
+            <a:endParaRPr lang="es-ES" spc="-5" dirty="0"/>
+          </a:p>
+        </p:txBody>
+      </p:sp>
+      <p:sp>
+        <p:nvSpPr>
+          <p:cNvPr id="2" name="CuadroTexto 1">
+            <a:extLst>
+              <a:ext uri="{FF2B5EF4-FFF2-40B4-BE49-F238E27FC236}">
+                <a16:creationId xmlns:a16="http://schemas.microsoft.com/office/drawing/2014/main" id="{B5029729-ADF3-3B30-4FF9-83BE1DB82BD7}"/>
+              </a:ext>
+            </a:extLst>
+          </p:cNvPr>
+          <p:cNvSpPr txBox="1"/>
+          <p:nvPr/>
+        </p:nvSpPr>
+        <p:spPr>
+          <a:xfrm>
+            <a:off x="609441" y="4860334"/>
+            <a:ext cx="11199971" cy="1200329"/>
+          </a:xfrm>
+          <a:prstGeom prst="rect">
+            <a:avLst/>
+          </a:prstGeom>
+          <a:solidFill>
+            <a:schemeClr val="bg1">
+              <a:lumMod val="95000"/>
+            </a:schemeClr>
+          </a:solidFill>
+          <a:ln w="28575">
+            <a:solidFill>
+              <a:srgbClr val="E0700D"/>
+            </a:solidFill>
+          </a:ln>
+        </p:spPr>
+        <p:txBody>
+          <a:bodyPr wrap="square" rtlCol="0">
+            <a:spAutoFit/>
+          </a:bodyPr>
+          <a:lstStyle/>
+          <a:p>
+            <a:pPr algn="just"/>
+            <a:r>
+              <a:rPr lang="en-US" sz="1200" dirty="0">
+                <a:latin typeface="Arial" panose="020B0604020202020204" pitchFamily="34" charset="0"/>
+                <a:cs typeface="Arial" panose="020B0604020202020204" pitchFamily="34" charset="0"/>
+              </a:rPr>
+              <a:t>Comment results (Coupling relationship, </a:t>
+            </a:r>
+            <a:r>
+              <a:rPr lang="en-US" sz="1200" dirty="0" err="1">
+                <a:latin typeface="Arial" panose="020B0604020202020204" pitchFamily="34" charset="0"/>
+                <a:cs typeface="Arial" panose="020B0604020202020204" pitchFamily="34" charset="0"/>
+              </a:rPr>
+              <a:t>Lpi</a:t>
+            </a:r>
+            <a:r>
+              <a:rPr lang="en-US" sz="1200" dirty="0">
+                <a:latin typeface="Arial" panose="020B0604020202020204" pitchFamily="34" charset="0"/>
+                <a:cs typeface="Arial" panose="020B0604020202020204" pitchFamily="34" charset="0"/>
+              </a:rPr>
+              <a:t>,  losses, comparison with Directional Coupler… )</a:t>
+            </a:r>
+          </a:p>
+          <a:p>
+            <a:pPr algn="just"/>
+            <a:endParaRPr lang="en-US" sz="1200" dirty="0">
+              <a:latin typeface="Arial" panose="020B0604020202020204" pitchFamily="34" charset="0"/>
+              <a:cs typeface="Arial" panose="020B0604020202020204" pitchFamily="34" charset="0"/>
+            </a:endParaRPr>
+          </a:p>
+          <a:p>
+            <a:pPr algn="just"/>
+            <a:endParaRPr lang="en-US" sz="1200" dirty="0">
+              <a:latin typeface="Arial" panose="020B0604020202020204" pitchFamily="34" charset="0"/>
+              <a:cs typeface="Arial" panose="020B0604020202020204" pitchFamily="34" charset="0"/>
+            </a:endParaRPr>
+          </a:p>
+          <a:p>
+            <a:pPr algn="just"/>
+            <a:endParaRPr lang="en-US" sz="1200" dirty="0">
+              <a:latin typeface="Arial" panose="020B0604020202020204" pitchFamily="34" charset="0"/>
+              <a:cs typeface="Arial" panose="020B0604020202020204" pitchFamily="34" charset="0"/>
+            </a:endParaRPr>
+          </a:p>
+          <a:p>
+            <a:pPr algn="just"/>
+            <a:endParaRPr lang="en-US" sz="1200" dirty="0">
+              <a:latin typeface="Arial" panose="020B0604020202020204" pitchFamily="34" charset="0"/>
+              <a:cs typeface="Arial" panose="020B0604020202020204" pitchFamily="34" charset="0"/>
+            </a:endParaRPr>
+          </a:p>
+          <a:p>
+            <a:pPr algn="just"/>
+            <a:endParaRPr lang="en-US" sz="1200" dirty="0">
+              <a:latin typeface="Arial" panose="020B0604020202020204" pitchFamily="34" charset="0"/>
+              <a:cs typeface="Arial" panose="020B0604020202020204" pitchFamily="34" charset="0"/>
+            </a:endParaRPr>
+          </a:p>
+        </p:txBody>
+      </p:sp>
+      <p:sp>
+        <p:nvSpPr>
+          <p:cNvPr id="7" name="Rectángulo 6">
+            <a:extLst>
+              <a:ext uri="{FF2B5EF4-FFF2-40B4-BE49-F238E27FC236}">
+                <a16:creationId xmlns:a16="http://schemas.microsoft.com/office/drawing/2014/main" id="{98DE5FDA-4E91-E843-E84A-1467BFAA9986}"/>
+              </a:ext>
+            </a:extLst>
+          </p:cNvPr>
+          <p:cNvSpPr/>
+          <p:nvPr/>
+        </p:nvSpPr>
+        <p:spPr>
+          <a:xfrm>
+            <a:off x="609441" y="1418373"/>
+            <a:ext cx="11199971" cy="3306028"/>
+          </a:xfrm>
+          <a:prstGeom prst="rect">
+            <a:avLst/>
+          </a:prstGeom>
+          <a:noFill/>
+          <a:ln w="28575">
+            <a:solidFill>
+              <a:srgbClr val="E0700D"/>
+            </a:solidFill>
+          </a:ln>
+        </p:spPr>
+        <p:style>
+          <a:lnRef idx="2">
+            <a:schemeClr val="accent1">
+              <a:shade val="15000"/>
+            </a:schemeClr>
+          </a:lnRef>
+          <a:fillRef idx="1">
+            <a:schemeClr val="accent1"/>
+          </a:fillRef>
+          <a:effectRef idx="0">
+            <a:schemeClr val="accent1"/>
+          </a:effectRef>
+          <a:fontRef idx="minor">
+            <a:schemeClr val="lt1"/>
+          </a:fontRef>
+        </p:style>
+        <p:txBody>
+          <a:bodyPr rtlCol="0" anchor="ctr"/>
+          <a:lstStyle/>
+          <a:p>
+            <a:pPr algn="ctr"/>
+            <a:endParaRPr lang="en-US"/>
+          </a:p>
+        </p:txBody>
+      </p:sp>
+      <p:sp>
+        <p:nvSpPr>
+          <p:cNvPr id="8" name="CuadroTexto 7">
+            <a:extLst>
+              <a:ext uri="{FF2B5EF4-FFF2-40B4-BE49-F238E27FC236}">
+                <a16:creationId xmlns:a16="http://schemas.microsoft.com/office/drawing/2014/main" id="{0DA14DBA-172E-DA2C-0573-6A00BF18F4A5}"/>
+              </a:ext>
+            </a:extLst>
+          </p:cNvPr>
+          <p:cNvSpPr txBox="1"/>
+          <p:nvPr/>
+        </p:nvSpPr>
+        <p:spPr>
+          <a:xfrm>
+            <a:off x="2286000" y="2671278"/>
+            <a:ext cx="7718580" cy="923330"/>
+          </a:xfrm>
+          <a:prstGeom prst="rect">
+            <a:avLst/>
+          </a:prstGeom>
+          <a:noFill/>
+        </p:spPr>
+        <p:txBody>
+          <a:bodyPr wrap="square" rtlCol="0">
+            <a:spAutoFit/>
+          </a:bodyPr>
+          <a:lstStyle/>
+          <a:p>
+            <a:pPr algn="ctr"/>
+            <a:r>
+              <a:rPr lang="en-US" b="1" dirty="0"/>
+              <a:t>deep</a:t>
+            </a:r>
+            <a:r>
+              <a:rPr lang="en-US" dirty="0"/>
+              <a:t> waveguide</a:t>
+            </a:r>
+          </a:p>
+          <a:p>
+            <a:pPr algn="ctr"/>
+            <a:endParaRPr lang="en-US" dirty="0"/>
+          </a:p>
+          <a:p>
+            <a:pPr algn="ctr"/>
+            <a:r>
+              <a:rPr lang="en-US" dirty="0"/>
+              <a:t>Paste propagation plots and output text here</a:t>
+            </a:r>
+          </a:p>
+        </p:txBody>
+      </p:sp>
+    </p:spTree>
+    <p:extLst>
+      <p:ext uri="{BB962C8B-B14F-4D97-AF65-F5344CB8AC3E}">
+        <p14:creationId xmlns:p14="http://schemas.microsoft.com/office/powerpoint/2010/main" val="2815679427"/>
+      </p:ext>
+    </p:extLst>
+  </p:cSld>
+  <p:clrMapOvr>
+    <a:masterClrMapping/>
+  </p:clrMapOvr>
+</p:sld>
+</file>
+
+<file path=ppt/slides/slide8.xml><?xml version="1.0" encoding="utf-8"?>
+<p:sld xmlns:a="http://schemas.openxmlformats.org/drawingml/2006/main" xmlns:r="http://schemas.openxmlformats.org/officeDocument/2006/relationships" xmlns:p="http://schemas.openxmlformats.org/presentationml/2006/main">
+  <p:cSld>
+    <p:spTree>
+      <p:nvGrpSpPr>
+        <p:cNvPr id="1" name="">
+          <a:extLst>
+            <a:ext uri="{FF2B5EF4-FFF2-40B4-BE49-F238E27FC236}">
+              <a16:creationId xmlns:a16="http://schemas.microsoft.com/office/drawing/2014/main" id="{33E6CE0F-3E68-562C-935A-D6C81753B7FD}"/>
+            </a:ext>
+          </a:extLst>
+        </p:cNvPr>
+        <p:cNvGrpSpPr/>
+        <p:nvPr/>
+      </p:nvGrpSpPr>
+      <p:grpSpPr>
+        <a:xfrm>
+          <a:off x="0" y="0"/>
+          <a:ext cx="0" cy="0"/>
+          <a:chOff x="0" y="0"/>
+          <a:chExt cx="0" cy="0"/>
+        </a:xfrm>
+      </p:grpSpPr>
+      <p:sp>
+        <p:nvSpPr>
+          <p:cNvPr id="16" name="object 16">
+            <a:extLst>
+              <a:ext uri="{FF2B5EF4-FFF2-40B4-BE49-F238E27FC236}">
+                <a16:creationId xmlns:a16="http://schemas.microsoft.com/office/drawing/2014/main" id="{57A170A7-D68D-16E9-4B3F-FCCE9D98D349}"/>
+              </a:ext>
+            </a:extLst>
+          </p:cNvPr>
+          <p:cNvSpPr txBox="1">
+            <a:spLocks noGrp="1"/>
+          </p:cNvSpPr>
+          <p:nvPr>
+            <p:ph type="title"/>
+          </p:nvPr>
+        </p:nvSpPr>
+        <p:spPr>
+          <a:xfrm>
+            <a:off x="685800" y="408883"/>
+            <a:ext cx="10994410" cy="705321"/>
+          </a:xfrm>
+          <a:prstGeom prst="rect">
+            <a:avLst/>
+          </a:prstGeom>
+        </p:spPr>
+        <p:txBody>
+          <a:bodyPr vert="horz" wrap="square" lIns="0" tIns="12700" rIns="0" bIns="0" rtlCol="0">
+            <a:spAutoFit/>
+          </a:bodyPr>
+          <a:lstStyle/>
+          <a:p>
+            <a:pPr marL="12700">
+              <a:lnSpc>
+                <a:spcPct val="100000"/>
+              </a:lnSpc>
+              <a:spcBef>
+                <a:spcPts val="100"/>
+              </a:spcBef>
+            </a:pPr>
+            <a:r>
+              <a:rPr lang="en-US" sz="2500" dirty="0"/>
+              <a:t>Learning outcome #6 – 2x2 coupler transfer matrix</a:t>
+            </a:r>
+            <a:br>
+              <a:rPr lang="en-US" sz="2500" dirty="0"/>
+            </a:br>
+            <a:r>
+              <a:rPr lang="en-US" b="0" dirty="0"/>
+              <a:t>Consider LO3 and LO5 results and complete the transfer matrix for each case. </a:t>
+            </a:r>
+            <a:endParaRPr lang="en-US" sz="2500" b="0" dirty="0">
+              <a:latin typeface="+mj-lt"/>
+              <a:cs typeface="Lucida Sans"/>
+            </a:endParaRPr>
+          </a:p>
+        </p:txBody>
+      </p:sp>
+      <p:pic>
+        <p:nvPicPr>
+          <p:cNvPr id="83" name="Gráfico 82">
+            <a:extLst>
+              <a:ext uri="{FF2B5EF4-FFF2-40B4-BE49-F238E27FC236}">
+                <a16:creationId xmlns:a16="http://schemas.microsoft.com/office/drawing/2014/main" id="{366B17A3-5668-69DA-125B-18C349A1F5D6}"/>
+              </a:ext>
+            </a:extLst>
+          </p:cNvPr>
+          <p:cNvPicPr>
+            <a:picLocks noChangeAspect="1"/>
+          </p:cNvPicPr>
+          <p:nvPr/>
+        </p:nvPicPr>
+        <p:blipFill>
+          <a:blip r:embed="rId3">
+            <a:extLst>
+              <a:ext uri="{96DAC541-7B7A-43D3-8B79-37D633B846F1}">
+                <asvg:svgBlip xmlns:asvg="http://schemas.microsoft.com/office/drawing/2016/SVG/main" r:embed="rId4"/>
+              </a:ext>
+            </a:extLst>
+          </a:blip>
+          <a:stretch>
+            <a:fillRect/>
+          </a:stretch>
+        </p:blipFill>
+        <p:spPr>
+          <a:xfrm>
+            <a:off x="5045006" y="6356057"/>
+            <a:ext cx="6409575" cy="363174"/>
+          </a:xfrm>
+          <a:prstGeom prst="rect">
+            <a:avLst/>
+          </a:prstGeom>
+        </p:spPr>
+      </p:pic>
+      <p:sp>
+        <p:nvSpPr>
+          <p:cNvPr id="84" name="Marcador de número de diapositiva 83">
+            <a:extLst>
+              <a:ext uri="{FF2B5EF4-FFF2-40B4-BE49-F238E27FC236}">
+                <a16:creationId xmlns:a16="http://schemas.microsoft.com/office/drawing/2014/main" id="{C2E79CFF-38C6-0099-7FBE-6BB783449325}"/>
+              </a:ext>
+            </a:extLst>
+          </p:cNvPr>
+          <p:cNvSpPr>
+            <a:spLocks noGrp="1"/>
+          </p:cNvSpPr>
+          <p:nvPr>
+            <p:ph type="sldNum" sz="quarter" idx="7"/>
+          </p:nvPr>
+        </p:nvSpPr>
+        <p:spPr/>
+        <p:txBody>
+          <a:bodyPr/>
+          <a:lstStyle/>
+          <a:p>
+            <a:fld id="{B6F15528-21DE-4FAA-801E-634DDDAF4B2B}" type="slidenum">
+              <a:rPr lang="es-ES" smtClean="0"/>
+              <a:t>8</a:t>
+            </a:fld>
+            <a:endParaRPr lang="es-ES"/>
+          </a:p>
+        </p:txBody>
+      </p:sp>
+      <p:sp>
+        <p:nvSpPr>
+          <p:cNvPr id="3" name="Marcador de pie de página 2">
+            <a:extLst>
+              <a:ext uri="{FF2B5EF4-FFF2-40B4-BE49-F238E27FC236}">
+                <a16:creationId xmlns:a16="http://schemas.microsoft.com/office/drawing/2014/main" id="{261362ED-7B00-40D6-B713-B84D4F9586E8}"/>
+              </a:ext>
+            </a:extLst>
+          </p:cNvPr>
+          <p:cNvSpPr>
+            <a:spLocks noGrp="1"/>
+          </p:cNvSpPr>
+          <p:nvPr>
+            <p:ph type="ftr" sz="quarter" idx="5"/>
+          </p:nvPr>
+        </p:nvSpPr>
+        <p:spPr/>
+        <p:txBody>
+          <a:bodyPr/>
+          <a:lstStyle/>
+          <a:p>
+            <a:pPr marL="12700">
+              <a:spcBef>
+                <a:spcPts val="15"/>
+              </a:spcBef>
+            </a:pPr>
+            <a:r>
+              <a:rPr lang="es-ES" spc="-5"/>
+              <a:t>LAB 0.2. COUPLERS</a:t>
+            </a:r>
+            <a:endParaRPr lang="es-ES" spc="-5" dirty="0"/>
+          </a:p>
+        </p:txBody>
+      </p:sp>
+      <p:sp>
+        <p:nvSpPr>
+          <p:cNvPr id="2" name="CuadroTexto 1">
+            <a:extLst>
+              <a:ext uri="{FF2B5EF4-FFF2-40B4-BE49-F238E27FC236}">
+                <a16:creationId xmlns:a16="http://schemas.microsoft.com/office/drawing/2014/main" id="{1D2B9BD8-9192-8B79-182A-F61FA68C17BE}"/>
+              </a:ext>
+            </a:extLst>
+          </p:cNvPr>
+          <p:cNvSpPr txBox="1"/>
+          <p:nvPr/>
+        </p:nvSpPr>
+        <p:spPr>
+          <a:xfrm>
+            <a:off x="609441" y="4860334"/>
+            <a:ext cx="11199971" cy="1200329"/>
+          </a:xfrm>
+          <a:prstGeom prst="rect">
+            <a:avLst/>
+          </a:prstGeom>
+          <a:solidFill>
+            <a:schemeClr val="bg1">
+              <a:lumMod val="95000"/>
+            </a:schemeClr>
+          </a:solidFill>
+          <a:ln w="28575">
+            <a:solidFill>
+              <a:srgbClr val="E0700D"/>
+            </a:solidFill>
+          </a:ln>
+        </p:spPr>
+        <p:txBody>
+          <a:bodyPr wrap="square" rtlCol="0">
+            <a:spAutoFit/>
+          </a:bodyPr>
+          <a:lstStyle/>
+          <a:p>
+            <a:pPr algn="just"/>
+            <a:r>
+              <a:rPr lang="en-US" sz="1200" dirty="0">
+                <a:latin typeface="Arial" panose="020B0604020202020204" pitchFamily="34" charset="0"/>
+                <a:cs typeface="Arial" panose="020B0604020202020204" pitchFamily="34" charset="0"/>
+              </a:rPr>
+              <a:t>Comment results </a:t>
+            </a:r>
+          </a:p>
+          <a:p>
+            <a:pPr algn="just"/>
+            <a:endParaRPr lang="en-US" sz="1200" dirty="0">
+              <a:latin typeface="Arial" panose="020B0604020202020204" pitchFamily="34" charset="0"/>
+              <a:cs typeface="Arial" panose="020B0604020202020204" pitchFamily="34" charset="0"/>
+            </a:endParaRPr>
+          </a:p>
+          <a:p>
+            <a:pPr algn="just"/>
+            <a:endParaRPr lang="en-US" sz="1200" dirty="0">
+              <a:latin typeface="Arial" panose="020B0604020202020204" pitchFamily="34" charset="0"/>
+              <a:cs typeface="Arial" panose="020B0604020202020204" pitchFamily="34" charset="0"/>
+            </a:endParaRPr>
+          </a:p>
+          <a:p>
+            <a:pPr algn="just"/>
+            <a:endParaRPr lang="en-US" sz="1200" dirty="0">
+              <a:latin typeface="Arial" panose="020B0604020202020204" pitchFamily="34" charset="0"/>
+              <a:cs typeface="Arial" panose="020B0604020202020204" pitchFamily="34" charset="0"/>
+            </a:endParaRPr>
+          </a:p>
+          <a:p>
+            <a:pPr algn="just"/>
+            <a:endParaRPr lang="en-US" sz="1200" dirty="0">
+              <a:latin typeface="Arial" panose="020B0604020202020204" pitchFamily="34" charset="0"/>
+              <a:cs typeface="Arial" panose="020B0604020202020204" pitchFamily="34" charset="0"/>
+            </a:endParaRPr>
+          </a:p>
+          <a:p>
+            <a:pPr algn="just"/>
+            <a:endParaRPr lang="en-US" sz="1200" dirty="0">
+              <a:latin typeface="Arial" panose="020B0604020202020204" pitchFamily="34" charset="0"/>
+              <a:cs typeface="Arial" panose="020B0604020202020204" pitchFamily="34" charset="0"/>
+            </a:endParaRPr>
+          </a:p>
+        </p:txBody>
+      </p:sp>
+      <p:sp>
+        <p:nvSpPr>
+          <p:cNvPr id="7" name="Rectángulo 6">
+            <a:extLst>
+              <a:ext uri="{FF2B5EF4-FFF2-40B4-BE49-F238E27FC236}">
+                <a16:creationId xmlns:a16="http://schemas.microsoft.com/office/drawing/2014/main" id="{2B18D589-5F7E-C7CF-D705-406C7D00B1AC}"/>
+              </a:ext>
+            </a:extLst>
+          </p:cNvPr>
+          <p:cNvSpPr/>
+          <p:nvPr/>
+        </p:nvSpPr>
+        <p:spPr>
+          <a:xfrm>
+            <a:off x="609441" y="1418373"/>
+            <a:ext cx="11199971" cy="3306028"/>
+          </a:xfrm>
+          <a:prstGeom prst="rect">
+            <a:avLst/>
+          </a:prstGeom>
+          <a:noFill/>
+          <a:ln w="28575">
+            <a:solidFill>
+              <a:srgbClr val="E0700D"/>
+            </a:solidFill>
+          </a:ln>
+        </p:spPr>
+        <p:style>
+          <a:lnRef idx="2">
+            <a:schemeClr val="accent1">
+              <a:shade val="15000"/>
+            </a:schemeClr>
+          </a:lnRef>
+          <a:fillRef idx="1">
+            <a:schemeClr val="accent1"/>
+          </a:fillRef>
+          <a:effectRef idx="0">
+            <a:schemeClr val="accent1"/>
+          </a:effectRef>
+          <a:fontRef idx="minor">
+            <a:schemeClr val="lt1"/>
+          </a:fontRef>
+        </p:style>
+        <p:txBody>
+          <a:bodyPr rtlCol="0" anchor="ctr"/>
+          <a:lstStyle/>
+          <a:p>
+            <a:pPr algn="ctr"/>
+            <a:endParaRPr lang="en-US"/>
+          </a:p>
+        </p:txBody>
+      </p:sp>
+      <mc:AlternateContent xmlns:mc="http://schemas.openxmlformats.org/markup-compatibility/2006">
+        <mc:Choice xmlns:a14="http://schemas.microsoft.com/office/drawing/2010/main" Requires="a14">
+          <p:sp>
+            <p:nvSpPr>
+              <p:cNvPr id="8" name="CuadroTexto 7">
+                <a:extLst>
+                  <a:ext uri="{FF2B5EF4-FFF2-40B4-BE49-F238E27FC236}">
+                    <a16:creationId xmlns:a16="http://schemas.microsoft.com/office/drawing/2014/main" id="{E2697D44-DCCF-4B51-F6A6-6B8096B07F99}"/>
+                  </a:ext>
+                </a:extLst>
+              </p:cNvPr>
+              <p:cNvSpPr txBox="1"/>
+              <p:nvPr/>
+            </p:nvSpPr>
+            <p:spPr>
+              <a:xfrm>
+                <a:off x="2286000" y="2671278"/>
+                <a:ext cx="7718580" cy="1364733"/>
+              </a:xfrm>
+              <a:prstGeom prst="rect">
+                <a:avLst/>
+              </a:prstGeom>
+              <a:noFill/>
+            </p:spPr>
+            <p:txBody>
+              <a:bodyPr wrap="square" rtlCol="0">
+                <a:spAutoFit/>
+              </a:bodyPr>
+              <a:lstStyle/>
+              <a:p>
+                <a:pPr algn="ctr"/>
+                <a:r>
+                  <a:rPr lang="en-US" b="1" dirty="0"/>
+                  <a:t>Transfer Matrix equation</a:t>
+                </a:r>
+                <a:endParaRPr lang="en-US" dirty="0"/>
+              </a:p>
+              <a:p>
+                <a:pPr algn="ctr"/>
+                <a:endParaRPr lang="en-US" dirty="0"/>
+              </a:p>
+              <a:p>
+                <a:pPr algn="ctr"/>
+                <a14:m>
+                  <m:oMathPara xmlns:m="http://schemas.openxmlformats.org/officeDocument/2006/math">
+                    <m:oMathParaPr>
+                      <m:jc m:val="centerGroup"/>
+                    </m:oMathParaPr>
+                    <m:oMath xmlns:m="http://schemas.openxmlformats.org/officeDocument/2006/math">
+                      <m:sSub>
+                        <m:sSubPr>
+                          <m:ctrlPr>
+                            <a:rPr lang="es-ES" i="1">
+                              <a:latin typeface="Cambria Math" panose="02040503050406030204" pitchFamily="18" charset="0"/>
+                            </a:rPr>
+                          </m:ctrlPr>
+                        </m:sSubPr>
+                        <m:e>
+                          <m:r>
+                            <a:rPr lang="es-ES" i="1">
+                              <a:latin typeface="Cambria Math" panose="02040503050406030204" pitchFamily="18" charset="0"/>
+                            </a:rPr>
+                            <m:t>𝑇</m:t>
+                          </m:r>
+                        </m:e>
+                        <m:sub>
+                          <m:r>
+                            <a:rPr lang="es-ES" i="1">
+                              <a:latin typeface="Cambria Math" panose="02040503050406030204" pitchFamily="18" charset="0"/>
+                            </a:rPr>
+                            <m:t>𝐶</m:t>
+                          </m:r>
+                        </m:sub>
+                      </m:sSub>
+                      <m:r>
+                        <a:rPr lang="es-ES" i="1">
+                          <a:latin typeface="Cambria Math" panose="02040503050406030204" pitchFamily="18" charset="0"/>
+                        </a:rPr>
+                        <m:t>(</m:t>
+                      </m:r>
+                      <m:r>
+                        <a:rPr lang="es-ES" i="1">
+                          <a:latin typeface="Cambria Math" panose="02040503050406030204" pitchFamily="18" charset="0"/>
+                        </a:rPr>
+                        <m:t>𝜆</m:t>
+                      </m:r>
+                      <m:r>
+                        <a:rPr lang="es-ES" i="1">
+                          <a:latin typeface="Cambria Math" panose="02040503050406030204" pitchFamily="18" charset="0"/>
+                        </a:rPr>
+                        <m:t>)=</m:t>
+                      </m:r>
+                      <m:r>
+                        <a:rPr lang="en-US">
+                          <a:latin typeface="Cambria Math" panose="02040503050406030204" pitchFamily="18" charset="0"/>
+                        </a:rPr>
+                        <m:t> </m:t>
+                      </m:r>
+                      <m:d>
+                        <m:dPr>
+                          <m:begChr m:val="["/>
+                          <m:endChr m:val="]"/>
+                          <m:ctrlPr>
+                            <a:rPr lang="en-US" i="1">
+                              <a:latin typeface="Cambria Math" panose="02040503050406030204" pitchFamily="18" charset="0"/>
+                            </a:rPr>
+                          </m:ctrlPr>
+                        </m:dPr>
+                        <m:e>
+                          <m:m>
+                            <m:mPr>
+                              <m:mcs>
+                                <m:mc>
+                                  <m:mcPr>
+                                    <m:count m:val="2"/>
+                                    <m:mcJc m:val="center"/>
+                                  </m:mcPr>
+                                </m:mc>
+                              </m:mcs>
+                              <m:ctrlPr>
+                                <a:rPr lang="en-US" i="1">
+                                  <a:latin typeface="Cambria Math" panose="02040503050406030204" pitchFamily="18" charset="0"/>
+                                </a:rPr>
+                              </m:ctrlPr>
+                            </m:mPr>
+                            <m:mr>
+                              <m:e>
+                                <m:sSup>
+                                  <m:sSupPr>
+                                    <m:ctrlPr>
+                                      <a:rPr lang="en-US" i="1">
+                                        <a:latin typeface="Cambria Math" panose="02040503050406030204" pitchFamily="18" charset="0"/>
+                                      </a:rPr>
+                                    </m:ctrlPr>
+                                  </m:sSupPr>
+                                  <m:e>
+                                    <m:r>
+                                      <a:rPr lang="en-US" i="1">
+                                        <a:latin typeface="Cambria Math" panose="02040503050406030204" pitchFamily="18" charset="0"/>
+                                      </a:rPr>
+                                      <m:t>𝑒</m:t>
+                                    </m:r>
+                                  </m:e>
+                                  <m:sup>
+                                    <m:r>
+                                      <a:rPr lang="en-US" i="1">
+                                        <a:latin typeface="Cambria Math" panose="02040503050406030204" pitchFamily="18" charset="0"/>
+                                      </a:rPr>
+                                      <m:t>𝑖</m:t>
+                                    </m:r>
+                                    <m:sSub>
+                                      <m:sSubPr>
+                                        <m:ctrlPr>
+                                          <a:rPr lang="es-ES" i="1">
+                                            <a:latin typeface="Cambria Math" panose="02040503050406030204" pitchFamily="18" charset="0"/>
+                                          </a:rPr>
+                                        </m:ctrlPr>
+                                      </m:sSubPr>
+                                      <m:e>
+                                        <m:r>
+                                          <a:rPr lang="es-ES" i="1">
+                                            <a:latin typeface="Cambria Math" panose="02040503050406030204" pitchFamily="18" charset="0"/>
+                                          </a:rPr>
+                                          <m:t>𝜙</m:t>
+                                        </m:r>
+                                      </m:e>
+                                      <m:sub>
+                                        <m:r>
+                                          <a:rPr lang="es-ES" i="1">
+                                            <a:latin typeface="Cambria Math" panose="02040503050406030204" pitchFamily="18" charset="0"/>
+                                          </a:rPr>
+                                          <m:t>00</m:t>
+                                        </m:r>
+                                      </m:sub>
+                                    </m:sSub>
+                                    <m:r>
+                                      <a:rPr lang="es-ES" i="1">
+                                        <a:latin typeface="Cambria Math" panose="02040503050406030204" pitchFamily="18" charset="0"/>
+                                      </a:rPr>
+                                      <m:t>(</m:t>
+                                    </m:r>
+                                    <m:r>
+                                      <a:rPr lang="es-ES" i="1">
+                                        <a:latin typeface="Cambria Math" panose="02040503050406030204" pitchFamily="18" charset="0"/>
+                                      </a:rPr>
+                                      <m:t>𝜆</m:t>
+                                    </m:r>
+                                    <m:r>
+                                      <a:rPr lang="es-ES" i="1">
+                                        <a:latin typeface="Cambria Math" panose="02040503050406030204" pitchFamily="18" charset="0"/>
+                                      </a:rPr>
+                                      <m:t>)</m:t>
+                                    </m:r>
+                                  </m:sup>
+                                </m:sSup>
+                                <m:rad>
+                                  <m:radPr>
+                                    <m:degHide m:val="on"/>
+                                    <m:ctrlPr>
+                                      <a:rPr lang="en-US" i="1">
+                                        <a:latin typeface="Cambria Math" panose="02040503050406030204" pitchFamily="18" charset="0"/>
+                                      </a:rPr>
+                                    </m:ctrlPr>
+                                  </m:radPr>
+                                  <m:deg/>
+                                  <m:e>
+                                    <m:sSub>
+                                      <m:sSubPr>
+                                        <m:ctrlPr>
+                                          <a:rPr lang="es-ES" i="1">
+                                            <a:latin typeface="Cambria Math" panose="02040503050406030204" pitchFamily="18" charset="0"/>
+                                          </a:rPr>
+                                        </m:ctrlPr>
+                                      </m:sSubPr>
+                                      <m:e>
+                                        <m:r>
+                                          <a:rPr lang="es-ES" i="1">
+                                            <a:latin typeface="Cambria Math" panose="02040503050406030204" pitchFamily="18" charset="0"/>
+                                          </a:rPr>
+                                          <m:t>𝑇</m:t>
+                                        </m:r>
+                                      </m:e>
+                                      <m:sub>
+                                        <m:r>
+                                          <a:rPr lang="es-ES" i="1">
+                                            <a:latin typeface="Cambria Math" panose="02040503050406030204" pitchFamily="18" charset="0"/>
+                                          </a:rPr>
+                                          <m:t>00</m:t>
+                                        </m:r>
+                                      </m:sub>
+                                    </m:sSub>
+                                    <m:r>
+                                      <a:rPr lang="es-ES" i="1">
+                                        <a:latin typeface="Cambria Math" panose="02040503050406030204" pitchFamily="18" charset="0"/>
+                                      </a:rPr>
+                                      <m:t>(</m:t>
+                                    </m:r>
+                                    <m:r>
+                                      <a:rPr lang="es-ES" i="1">
+                                        <a:latin typeface="Cambria Math" panose="02040503050406030204" pitchFamily="18" charset="0"/>
+                                      </a:rPr>
+                                      <m:t>𝜆</m:t>
+                                    </m:r>
+                                    <m:r>
+                                      <a:rPr lang="es-ES" i="1">
+                                        <a:latin typeface="Cambria Math" panose="02040503050406030204" pitchFamily="18" charset="0"/>
+                                      </a:rPr>
+                                      <m:t>)</m:t>
+                                    </m:r>
+                                  </m:e>
+                                </m:rad>
+                              </m:e>
+                              <m:e>
+                                <m:sSup>
+                                  <m:sSupPr>
+                                    <m:ctrlPr>
+                                      <a:rPr lang="en-US" i="1">
+                                        <a:latin typeface="Cambria Math" panose="02040503050406030204" pitchFamily="18" charset="0"/>
+                                      </a:rPr>
+                                    </m:ctrlPr>
+                                  </m:sSupPr>
+                                  <m:e>
+                                    <m:r>
+                                      <a:rPr lang="en-US" i="1">
+                                        <a:latin typeface="Cambria Math" panose="02040503050406030204" pitchFamily="18" charset="0"/>
+                                      </a:rPr>
+                                      <m:t>𝑒</m:t>
+                                    </m:r>
+                                  </m:e>
+                                  <m:sup>
+                                    <m:r>
+                                      <a:rPr lang="en-US" i="1">
+                                        <a:latin typeface="Cambria Math" panose="02040503050406030204" pitchFamily="18" charset="0"/>
+                                      </a:rPr>
+                                      <m:t>𝑖</m:t>
+                                    </m:r>
+                                    <m:sSub>
+                                      <m:sSubPr>
+                                        <m:ctrlPr>
+                                          <a:rPr lang="es-ES" i="1">
+                                            <a:latin typeface="Cambria Math" panose="02040503050406030204" pitchFamily="18" charset="0"/>
+                                          </a:rPr>
+                                        </m:ctrlPr>
+                                      </m:sSubPr>
+                                      <m:e>
+                                        <m:r>
+                                          <a:rPr lang="es-ES" i="1">
+                                            <a:latin typeface="Cambria Math" panose="02040503050406030204" pitchFamily="18" charset="0"/>
+                                          </a:rPr>
+                                          <m:t>𝜙</m:t>
+                                        </m:r>
+                                      </m:e>
+                                      <m:sub>
+                                        <m:r>
+                                          <a:rPr lang="es-ES" i="1">
+                                            <a:latin typeface="Cambria Math" panose="02040503050406030204" pitchFamily="18" charset="0"/>
+                                          </a:rPr>
+                                          <m:t>01</m:t>
+                                        </m:r>
+                                      </m:sub>
+                                    </m:sSub>
+                                    <m:r>
+                                      <a:rPr lang="es-ES" i="1">
+                                        <a:latin typeface="Cambria Math" panose="02040503050406030204" pitchFamily="18" charset="0"/>
+                                      </a:rPr>
+                                      <m:t>(</m:t>
+                                    </m:r>
+                                    <m:r>
+                                      <a:rPr lang="es-ES" i="1">
+                                        <a:latin typeface="Cambria Math" panose="02040503050406030204" pitchFamily="18" charset="0"/>
+                                      </a:rPr>
+                                      <m:t>𝜆</m:t>
+                                    </m:r>
+                                    <m:r>
+                                      <a:rPr lang="es-ES" i="1">
+                                        <a:latin typeface="Cambria Math" panose="02040503050406030204" pitchFamily="18" charset="0"/>
+                                      </a:rPr>
+                                      <m:t>)</m:t>
+                                    </m:r>
+                                  </m:sup>
+                                </m:sSup>
+                                <m:r>
+                                  <a:rPr lang="en-US">
+                                    <a:latin typeface="Cambria Math" panose="02040503050406030204" pitchFamily="18" charset="0"/>
+                                  </a:rPr>
+                                  <m:t> </m:t>
+                                </m:r>
+                                <m:rad>
+                                  <m:radPr>
+                                    <m:degHide m:val="on"/>
+                                    <m:ctrlPr>
+                                      <a:rPr lang="en-US" i="1">
+                                        <a:latin typeface="Cambria Math" panose="02040503050406030204" pitchFamily="18" charset="0"/>
+                                      </a:rPr>
+                                    </m:ctrlPr>
+                                  </m:radPr>
+                                  <m:deg/>
+                                  <m:e>
+                                    <m:sSub>
+                                      <m:sSubPr>
+                                        <m:ctrlPr>
+                                          <a:rPr lang="es-ES" i="1">
+                                            <a:latin typeface="Cambria Math" panose="02040503050406030204" pitchFamily="18" charset="0"/>
+                                          </a:rPr>
+                                        </m:ctrlPr>
+                                      </m:sSubPr>
+                                      <m:e>
+                                        <m:r>
+                                          <a:rPr lang="es-ES" i="1">
+                                            <a:latin typeface="Cambria Math" panose="02040503050406030204" pitchFamily="18" charset="0"/>
+                                          </a:rPr>
+                                          <m:t>𝑇</m:t>
+                                        </m:r>
+                                      </m:e>
+                                      <m:sub>
+                                        <m:r>
+                                          <a:rPr lang="es-ES" i="1">
+                                            <a:latin typeface="Cambria Math" panose="02040503050406030204" pitchFamily="18" charset="0"/>
+                                          </a:rPr>
+                                          <m:t>01</m:t>
+                                        </m:r>
+                                      </m:sub>
+                                    </m:sSub>
+                                    <m:r>
+                                      <a:rPr lang="es-ES" i="1">
+                                        <a:latin typeface="Cambria Math" panose="02040503050406030204" pitchFamily="18" charset="0"/>
+                                      </a:rPr>
+                                      <m:t>(</m:t>
+                                    </m:r>
+                                    <m:r>
+                                      <a:rPr lang="es-ES" i="1">
+                                        <a:latin typeface="Cambria Math" panose="02040503050406030204" pitchFamily="18" charset="0"/>
+                                      </a:rPr>
+                                      <m:t>𝜆</m:t>
+                                    </m:r>
+                                    <m:r>
+                                      <a:rPr lang="es-ES" i="1">
+                                        <a:latin typeface="Cambria Math" panose="02040503050406030204" pitchFamily="18" charset="0"/>
+                                      </a:rPr>
+                                      <m:t>)</m:t>
+                                    </m:r>
+                                  </m:e>
+                                </m:rad>
+                              </m:e>
+                            </m:mr>
+                            <m:mr>
+                              <m:e>
+                                <m:sSup>
+                                  <m:sSupPr>
+                                    <m:ctrlPr>
+                                      <a:rPr lang="en-US" i="1">
+                                        <a:latin typeface="Cambria Math" panose="02040503050406030204" pitchFamily="18" charset="0"/>
+                                      </a:rPr>
+                                    </m:ctrlPr>
+                                  </m:sSupPr>
+                                  <m:e>
+                                    <m:r>
+                                      <a:rPr lang="en-US" i="1">
+                                        <a:latin typeface="Cambria Math" panose="02040503050406030204" pitchFamily="18" charset="0"/>
+                                      </a:rPr>
+                                      <m:t>𝑒</m:t>
+                                    </m:r>
+                                  </m:e>
+                                  <m:sup>
+                                    <m:r>
+                                      <a:rPr lang="en-US" i="1">
+                                        <a:latin typeface="Cambria Math" panose="02040503050406030204" pitchFamily="18" charset="0"/>
+                                      </a:rPr>
+                                      <m:t>𝑖</m:t>
+                                    </m:r>
+                                    <m:sSub>
+                                      <m:sSubPr>
+                                        <m:ctrlPr>
+                                          <a:rPr lang="es-ES" i="1">
+                                            <a:latin typeface="Cambria Math" panose="02040503050406030204" pitchFamily="18" charset="0"/>
+                                          </a:rPr>
+                                        </m:ctrlPr>
+                                      </m:sSubPr>
+                                      <m:e>
+                                        <m:r>
+                                          <a:rPr lang="es-ES" i="1">
+                                            <a:latin typeface="Cambria Math" panose="02040503050406030204" pitchFamily="18" charset="0"/>
+                                          </a:rPr>
+                                          <m:t>𝜙</m:t>
+                                        </m:r>
+                                      </m:e>
+                                      <m:sub>
+                                        <m:r>
+                                          <a:rPr lang="es-ES" i="1">
+                                            <a:latin typeface="Cambria Math" panose="02040503050406030204" pitchFamily="18" charset="0"/>
+                                          </a:rPr>
+                                          <m:t>01</m:t>
+                                        </m:r>
+                                      </m:sub>
+                                    </m:sSub>
+                                    <m:r>
+                                      <a:rPr lang="es-ES" i="1">
+                                        <a:latin typeface="Cambria Math" panose="02040503050406030204" pitchFamily="18" charset="0"/>
+                                      </a:rPr>
+                                      <m:t>(</m:t>
+                                    </m:r>
+                                    <m:r>
+                                      <a:rPr lang="es-ES" i="1">
+                                        <a:latin typeface="Cambria Math" panose="02040503050406030204" pitchFamily="18" charset="0"/>
+                                      </a:rPr>
+                                      <m:t>𝜆</m:t>
+                                    </m:r>
+                                    <m:r>
+                                      <a:rPr lang="es-ES" i="1">
+                                        <a:latin typeface="Cambria Math" panose="02040503050406030204" pitchFamily="18" charset="0"/>
+                                      </a:rPr>
+                                      <m:t>)</m:t>
+                                    </m:r>
+                                  </m:sup>
+                                </m:sSup>
+                                <m:r>
+                                  <a:rPr lang="en-US">
+                                    <a:latin typeface="Cambria Math" panose="02040503050406030204" pitchFamily="18" charset="0"/>
+                                  </a:rPr>
+                                  <m:t> </m:t>
+                                </m:r>
+                                <m:rad>
+                                  <m:radPr>
+                                    <m:degHide m:val="on"/>
+                                    <m:ctrlPr>
+                                      <a:rPr lang="en-US" i="1">
+                                        <a:latin typeface="Cambria Math" panose="02040503050406030204" pitchFamily="18" charset="0"/>
+                                      </a:rPr>
+                                    </m:ctrlPr>
+                                  </m:radPr>
+                                  <m:deg/>
+                                  <m:e>
+                                    <m:sSub>
+                                      <m:sSubPr>
+                                        <m:ctrlPr>
+                                          <a:rPr lang="es-ES" i="1">
+                                            <a:latin typeface="Cambria Math" panose="02040503050406030204" pitchFamily="18" charset="0"/>
+                                          </a:rPr>
+                                        </m:ctrlPr>
+                                      </m:sSubPr>
+                                      <m:e>
+                                        <m:r>
+                                          <a:rPr lang="es-ES" i="1">
+                                            <a:latin typeface="Cambria Math" panose="02040503050406030204" pitchFamily="18" charset="0"/>
+                                          </a:rPr>
+                                          <m:t>𝑇</m:t>
+                                        </m:r>
+                                      </m:e>
+                                      <m:sub>
+                                        <m:r>
+                                          <a:rPr lang="es-ES" i="1">
+                                            <a:latin typeface="Cambria Math" panose="02040503050406030204" pitchFamily="18" charset="0"/>
+                                          </a:rPr>
+                                          <m:t>01</m:t>
+                                        </m:r>
+                                      </m:sub>
+                                    </m:sSub>
+                                    <m:r>
+                                      <a:rPr lang="es-ES" i="1">
+                                        <a:latin typeface="Cambria Math" panose="02040503050406030204" pitchFamily="18" charset="0"/>
+                                      </a:rPr>
+                                      <m:t>(</m:t>
+                                    </m:r>
+                                    <m:r>
+                                      <a:rPr lang="es-ES" i="1">
+                                        <a:latin typeface="Cambria Math" panose="02040503050406030204" pitchFamily="18" charset="0"/>
+                                      </a:rPr>
+                                      <m:t>𝜆</m:t>
+                                    </m:r>
+                                    <m:r>
+                                      <a:rPr lang="es-ES" i="1">
+                                        <a:latin typeface="Cambria Math" panose="02040503050406030204" pitchFamily="18" charset="0"/>
+                                      </a:rPr>
+                                      <m:t>)</m:t>
+                                    </m:r>
+                                  </m:e>
+                                </m:rad>
+                              </m:e>
+                              <m:e>
+                                <m:sSup>
+                                  <m:sSupPr>
+                                    <m:ctrlPr>
+                                      <a:rPr lang="en-US" i="1">
+                                        <a:latin typeface="Cambria Math" panose="02040503050406030204" pitchFamily="18" charset="0"/>
+                                      </a:rPr>
+                                    </m:ctrlPr>
+                                  </m:sSupPr>
+                                  <m:e>
+                                    <m:r>
+                                      <a:rPr lang="en-US" i="1">
+                                        <a:latin typeface="Cambria Math" panose="02040503050406030204" pitchFamily="18" charset="0"/>
+                                      </a:rPr>
+                                      <m:t>𝑒</m:t>
+                                    </m:r>
+                                  </m:e>
+                                  <m:sup>
+                                    <m:r>
+                                      <a:rPr lang="en-US" i="1">
+                                        <a:latin typeface="Cambria Math" panose="02040503050406030204" pitchFamily="18" charset="0"/>
+                                      </a:rPr>
+                                      <m:t>𝑖</m:t>
+                                    </m:r>
+                                    <m:sSub>
+                                      <m:sSubPr>
+                                        <m:ctrlPr>
+                                          <a:rPr lang="es-ES" i="1">
+                                            <a:latin typeface="Cambria Math" panose="02040503050406030204" pitchFamily="18" charset="0"/>
+                                          </a:rPr>
+                                        </m:ctrlPr>
+                                      </m:sSubPr>
+                                      <m:e>
+                                        <m:r>
+                                          <a:rPr lang="es-ES" i="1">
+                                            <a:latin typeface="Cambria Math" panose="02040503050406030204" pitchFamily="18" charset="0"/>
+                                          </a:rPr>
+                                          <m:t>𝜙</m:t>
+                                        </m:r>
+                                      </m:e>
+                                      <m:sub>
+                                        <m:r>
+                                          <a:rPr lang="es-ES" i="1">
+                                            <a:latin typeface="Cambria Math" panose="02040503050406030204" pitchFamily="18" charset="0"/>
+                                          </a:rPr>
+                                          <m:t>00</m:t>
+                                        </m:r>
+                                      </m:sub>
+                                    </m:sSub>
+                                    <m:r>
+                                      <a:rPr lang="es-ES" i="1">
+                                        <a:latin typeface="Cambria Math" panose="02040503050406030204" pitchFamily="18" charset="0"/>
+                                      </a:rPr>
+                                      <m:t>(</m:t>
+                                    </m:r>
+                                    <m:r>
+                                      <a:rPr lang="es-ES" i="1">
+                                        <a:latin typeface="Cambria Math" panose="02040503050406030204" pitchFamily="18" charset="0"/>
+                                      </a:rPr>
+                                      <m:t>𝜆</m:t>
+                                    </m:r>
+                                    <m:r>
+                                      <a:rPr lang="es-ES" i="1">
+                                        <a:latin typeface="Cambria Math" panose="02040503050406030204" pitchFamily="18" charset="0"/>
+                                      </a:rPr>
+                                      <m:t>)</m:t>
+                                    </m:r>
+                                  </m:sup>
+                                </m:sSup>
+                                <m:rad>
+                                  <m:radPr>
+                                    <m:degHide m:val="on"/>
+                                    <m:ctrlPr>
+                                      <a:rPr lang="en-US" i="1">
+                                        <a:latin typeface="Cambria Math" panose="02040503050406030204" pitchFamily="18" charset="0"/>
+                                      </a:rPr>
+                                    </m:ctrlPr>
+                                  </m:radPr>
+                                  <m:deg/>
+                                  <m:e>
+                                    <m:sSub>
+                                      <m:sSubPr>
+                                        <m:ctrlPr>
+                                          <a:rPr lang="es-ES" i="1">
+                                            <a:latin typeface="Cambria Math" panose="02040503050406030204" pitchFamily="18" charset="0"/>
+                                          </a:rPr>
+                                        </m:ctrlPr>
+                                      </m:sSubPr>
+                                      <m:e>
+                                        <m:r>
+                                          <a:rPr lang="es-ES" i="1">
+                                            <a:latin typeface="Cambria Math" panose="02040503050406030204" pitchFamily="18" charset="0"/>
+                                          </a:rPr>
+                                          <m:t>𝑇</m:t>
+                                        </m:r>
+                                      </m:e>
+                                      <m:sub>
+                                        <m:r>
+                                          <a:rPr lang="es-ES" i="1">
+                                            <a:latin typeface="Cambria Math" panose="02040503050406030204" pitchFamily="18" charset="0"/>
+                                          </a:rPr>
+                                          <m:t>00</m:t>
+                                        </m:r>
+                                      </m:sub>
+                                    </m:sSub>
+                                    <m:r>
+                                      <a:rPr lang="es-ES" i="1">
+                                        <a:latin typeface="Cambria Math" panose="02040503050406030204" pitchFamily="18" charset="0"/>
+                                      </a:rPr>
+                                      <m:t>(</m:t>
+                                    </m:r>
+                                    <m:r>
+                                      <a:rPr lang="es-ES" i="1">
+                                        <a:latin typeface="Cambria Math" panose="02040503050406030204" pitchFamily="18" charset="0"/>
+                                      </a:rPr>
+                                      <m:t>𝜆</m:t>
+                                    </m:r>
+                                    <m:r>
+                                      <a:rPr lang="es-ES" i="1">
+                                        <a:latin typeface="Cambria Math" panose="02040503050406030204" pitchFamily="18" charset="0"/>
+                                      </a:rPr>
+                                      <m:t>)</m:t>
+                                    </m:r>
+                                  </m:e>
+                                </m:rad>
+                              </m:e>
+                            </m:mr>
+                          </m:m>
+                        </m:e>
+                      </m:d>
+                    </m:oMath>
+                  </m:oMathPara>
+                </a14:m>
+                <a:endParaRPr lang="en-US" dirty="0"/>
+              </a:p>
+            </p:txBody>
+          </p:sp>
+        </mc:Choice>
+        <mc:Fallback>
+          <p:sp>
+            <p:nvSpPr>
+              <p:cNvPr id="8" name="CuadroTexto 7">
+                <a:extLst>
+                  <a:ext uri="{FF2B5EF4-FFF2-40B4-BE49-F238E27FC236}">
+                    <a16:creationId xmlns:a16="http://schemas.microsoft.com/office/drawing/2014/main" id="{E2697D44-DCCF-4B51-F6A6-6B8096B07F99}"/>
+                  </a:ext>
+                </a:extLst>
+              </p:cNvPr>
+              <p:cNvSpPr txBox="1">
+                <a:spLocks noRot="1" noChangeAspect="1" noMove="1" noResize="1" noEditPoints="1" noAdjustHandles="1" noChangeArrowheads="1" noChangeShapeType="1" noTextEdit="1"/>
+              </p:cNvSpPr>
+              <p:nvPr/>
+            </p:nvSpPr>
+            <p:spPr>
+              <a:xfrm>
+                <a:off x="2286000" y="2671278"/>
+                <a:ext cx="7718580" cy="1364733"/>
+              </a:xfrm>
+              <a:prstGeom prst="rect">
+                <a:avLst/>
+              </a:prstGeom>
+              <a:blipFill>
+                <a:blip r:embed="rId5"/>
+                <a:stretch>
+                  <a:fillRect t="-2232"/>
+                </a:stretch>
+              </a:blipFill>
+            </p:spPr>
+            <p:txBody>
+              <a:bodyPr/>
+              <a:lstStyle/>
+              <a:p>
+                <a:r>
+                  <a:rPr lang="es-ES">
+                    <a:noFill/>
+                  </a:rPr>
+                  <a:t> </a:t>
+                </a:r>
+              </a:p>
+            </p:txBody>
+          </p:sp>
+        </mc:Fallback>
+      </mc:AlternateContent>
+    </p:spTree>
+    <p:extLst>
+      <p:ext uri="{BB962C8B-B14F-4D97-AF65-F5344CB8AC3E}">
+        <p14:creationId xmlns:p14="http://schemas.microsoft.com/office/powerpoint/2010/main" val="2255382221"/>
+      </p:ext>
+    </p:extLst>
+  </p:cSld>
+  <p:clrMapOvr>
+    <a:masterClrMapping/>
+  </p:clrMapOvr>
+</p:sld>
+</file>
+
+<file path=ppt/slides/slide9.xml><?xml version="1.0" encoding="utf-8"?>
 <p:sld xmlns:a="http://schemas.openxmlformats.org/drawingml/2006/main" xmlns:r="http://schemas.openxmlformats.org/officeDocument/2006/relationships" xmlns:p="http://schemas.openxmlformats.org/presentationml/2006/main">
   <p:cSld>
     <p:spTree>
@@ -6290,7 +8432,7 @@
           <a:p>
             <a:fld id="{B6F15528-21DE-4FAA-801E-634DDDAF4B2B}" type="slidenum">
               <a:rPr lang="es-ES" smtClean="0"/>
-              <a:t>6</a:t>
+              <a:t>9</a:t>
             </a:fld>
             <a:endParaRPr lang="es-ES"/>
           </a:p>
